--- a/Python/Face Detection and Face Recognition.pptx
+++ b/Python/Face Detection and Face Recognition.pptx
@@ -5,26 +5,22 @@
     <p:sldMasterId id="2147483648" r:id="rId1"/>
   </p:sldMasterIdLst>
   <p:sldIdLst>
-    <p:sldId id="256" r:id="rId2"/>
-    <p:sldId id="257" r:id="rId3"/>
-    <p:sldId id="259" r:id="rId4"/>
-    <p:sldId id="258" r:id="rId5"/>
-    <p:sldId id="260" r:id="rId6"/>
+    <p:sldId id="258" r:id="rId2"/>
   </p:sldIdLst>
   <p:sldSz cx="12192000" cy="6858000"/>
   <p:notesSz cx="6858000" cy="9144000"/>
   <p:embeddedFontLst>
     <p:embeddedFont>
       <p:font typeface="Calibri" panose="020F0502020204030204" pitchFamily="34" charset="0"/>
-      <p:regular r:id="rId7"/>
-      <p:bold r:id="rId8"/>
-      <p:italic r:id="rId9"/>
-      <p:boldItalic r:id="rId10"/>
+      <p:regular r:id="rId3"/>
+      <p:bold r:id="rId4"/>
+      <p:italic r:id="rId5"/>
+      <p:boldItalic r:id="rId6"/>
     </p:embeddedFont>
     <p:embeddedFont>
       <p:font typeface="Calibri Light" panose="020F0302020204030204" pitchFamily="34" charset="0"/>
-      <p:regular r:id="rId11"/>
-      <p:italic r:id="rId12"/>
+      <p:regular r:id="rId7"/>
+      <p:italic r:id="rId8"/>
     </p:embeddedFont>
   </p:embeddedFontLst>
   <p:defaultTextStyle>
@@ -122,7 +118,16 @@
       </a:defRPr>
     </a:lvl9pPr>
   </p:defaultTextStyle>
+  <p:extLst>
+    <p:ext uri="{EFAFB233-063F-42B5-8137-9DF3F51BA10A}">
+      <p15:sldGuideLst xmlns:p15="http://schemas.microsoft.com/office/powerpoint/2012/main"/>
+    </p:ext>
+  </p:extLst>
 </p:presentation>
+</file>
+
+<file path=ppt/revisionInfo.xml><?xml version="1.0" encoding="utf-8"?>
+<p1510:revInfo xmlns:a="http://schemas.openxmlformats.org/drawingml/2006/main" xmlns:r="http://schemas.openxmlformats.org/officeDocument/2006/relationships" xmlns:p1510="http://schemas.microsoft.com/office/powerpoint/2015/10/main"/>
 </file>
 
 <file path=ppt/slideLayouts/slideLayout1.xml><?xml version="1.0" encoding="utf-8"?>
@@ -256,7 +261,7 @@
           <a:p>
             <a:fld id="{AF70B758-E266-4DA6-A993-2ACCBA35F319}" type="datetimeFigureOut">
               <a:rPr lang="en-GB" smtClean="0"/>
-              <a:t>16/04/2017</a:t>
+              <a:t>20/04/2017</a:t>
             </a:fld>
             <a:endParaRPr lang="en-GB"/>
           </a:p>
@@ -426,7 +431,7 @@
           <a:p>
             <a:fld id="{AF70B758-E266-4DA6-A993-2ACCBA35F319}" type="datetimeFigureOut">
               <a:rPr lang="en-GB" smtClean="0"/>
-              <a:t>16/04/2017</a:t>
+              <a:t>20/04/2017</a:t>
             </a:fld>
             <a:endParaRPr lang="en-GB"/>
           </a:p>
@@ -606,7 +611,7 @@
           <a:p>
             <a:fld id="{AF70B758-E266-4DA6-A993-2ACCBA35F319}" type="datetimeFigureOut">
               <a:rPr lang="en-GB" smtClean="0"/>
-              <a:t>16/04/2017</a:t>
+              <a:t>20/04/2017</a:t>
             </a:fld>
             <a:endParaRPr lang="en-GB"/>
           </a:p>
@@ -776,7 +781,7 @@
           <a:p>
             <a:fld id="{AF70B758-E266-4DA6-A993-2ACCBA35F319}" type="datetimeFigureOut">
               <a:rPr lang="en-GB" smtClean="0"/>
-              <a:t>16/04/2017</a:t>
+              <a:t>20/04/2017</a:t>
             </a:fld>
             <a:endParaRPr lang="en-GB"/>
           </a:p>
@@ -1022,7 +1027,7 @@
           <a:p>
             <a:fld id="{AF70B758-E266-4DA6-A993-2ACCBA35F319}" type="datetimeFigureOut">
               <a:rPr lang="en-GB" smtClean="0"/>
-              <a:t>16/04/2017</a:t>
+              <a:t>20/04/2017</a:t>
             </a:fld>
             <a:endParaRPr lang="en-GB"/>
           </a:p>
@@ -1254,7 +1259,7 @@
           <a:p>
             <a:fld id="{AF70B758-E266-4DA6-A993-2ACCBA35F319}" type="datetimeFigureOut">
               <a:rPr lang="en-GB" smtClean="0"/>
-              <a:t>16/04/2017</a:t>
+              <a:t>20/04/2017</a:t>
             </a:fld>
             <a:endParaRPr lang="en-GB"/>
           </a:p>
@@ -1621,7 +1626,7 @@
           <a:p>
             <a:fld id="{AF70B758-E266-4DA6-A993-2ACCBA35F319}" type="datetimeFigureOut">
               <a:rPr lang="en-GB" smtClean="0"/>
-              <a:t>16/04/2017</a:t>
+              <a:t>20/04/2017</a:t>
             </a:fld>
             <a:endParaRPr lang="en-GB"/>
           </a:p>
@@ -1739,7 +1744,7 @@
           <a:p>
             <a:fld id="{AF70B758-E266-4DA6-A993-2ACCBA35F319}" type="datetimeFigureOut">
               <a:rPr lang="en-GB" smtClean="0"/>
-              <a:t>16/04/2017</a:t>
+              <a:t>20/04/2017</a:t>
             </a:fld>
             <a:endParaRPr lang="en-GB"/>
           </a:p>
@@ -1834,7 +1839,7 @@
           <a:p>
             <a:fld id="{AF70B758-E266-4DA6-A993-2ACCBA35F319}" type="datetimeFigureOut">
               <a:rPr lang="en-GB" smtClean="0"/>
-              <a:t>16/04/2017</a:t>
+              <a:t>20/04/2017</a:t>
             </a:fld>
             <a:endParaRPr lang="en-GB"/>
           </a:p>
@@ -2111,7 +2116,7 @@
           <a:p>
             <a:fld id="{AF70B758-E266-4DA6-A993-2ACCBA35F319}" type="datetimeFigureOut">
               <a:rPr lang="en-GB" smtClean="0"/>
-              <a:t>16/04/2017</a:t>
+              <a:t>20/04/2017</a:t>
             </a:fld>
             <a:endParaRPr lang="en-GB"/>
           </a:p>
@@ -2364,7 +2369,7 @@
           <a:p>
             <a:fld id="{AF70B758-E266-4DA6-A993-2ACCBA35F319}" type="datetimeFigureOut">
               <a:rPr lang="en-GB" smtClean="0"/>
-              <a:t>16/04/2017</a:t>
+              <a:t>20/04/2017</a:t>
             </a:fld>
             <a:endParaRPr lang="en-GB"/>
           </a:p>
@@ -2577,7 +2582,7 @@
           <a:p>
             <a:fld id="{AF70B758-E266-4DA6-A993-2ACCBA35F319}" type="datetimeFigureOut">
               <a:rPr lang="en-GB" smtClean="0"/>
-              <a:t>16/04/2017</a:t>
+              <a:t>20/04/2017</a:t>
             </a:fld>
             <a:endParaRPr lang="en-GB"/>
           </a:p>
@@ -2982,651 +2987,6 @@
           <a:chExt cx="0" cy="0"/>
         </a:xfrm>
       </p:grpSpPr>
-      <p:sp>
-        <p:nvSpPr>
-          <p:cNvPr id="2" name="Title 1"/>
-          <p:cNvSpPr>
-            <a:spLocks noGrp="1"/>
-          </p:cNvSpPr>
-          <p:nvPr>
-            <p:ph type="ctrTitle"/>
-          </p:nvPr>
-        </p:nvSpPr>
-        <p:spPr>
-          <a:xfrm>
-            <a:off x="293615" y="1551963"/>
-            <a:ext cx="11604770" cy="1261714"/>
-          </a:xfrm>
-        </p:spPr>
-        <p:txBody>
-          <a:bodyPr>
-            <a:normAutofit fontScale="90000"/>
-          </a:bodyPr>
-          <a:lstStyle/>
-          <a:p>
-            <a:r>
-              <a:rPr lang="en-GB" sz="4800" b="1" dirty="0">
-                <a:solidFill>
-                  <a:schemeClr val="accent1">
-                    <a:lumMod val="50000"/>
-                  </a:schemeClr>
-                </a:solidFill>
-              </a:rPr>
-              <a:t>Face Detection and Face Recognition</a:t>
-            </a:r>
-            <a:br>
-              <a:rPr lang="en-GB" sz="4800" b="1" dirty="0">
-                <a:solidFill>
-                  <a:schemeClr val="accent1">
-                    <a:lumMod val="50000"/>
-                  </a:schemeClr>
-                </a:solidFill>
-              </a:rPr>
-            </a:br>
-            <a:r>
-              <a:rPr lang="en-GB" sz="1800" b="1" dirty="0">
-                <a:solidFill>
-                  <a:schemeClr val="accent1">
-                    <a:lumMod val="50000"/>
-                  </a:schemeClr>
-                </a:solidFill>
-              </a:rPr>
-              <a:t>through</a:t>
-            </a:r>
-            <a:br>
-              <a:rPr lang="en-GB" sz="2700" b="1" dirty="0">
-                <a:solidFill>
-                  <a:schemeClr val="accent1">
-                    <a:lumMod val="50000"/>
-                  </a:schemeClr>
-                </a:solidFill>
-              </a:rPr>
-            </a:br>
-            <a:r>
-              <a:rPr lang="en-GB" sz="2700" b="1" dirty="0" err="1">
-                <a:solidFill>
-                  <a:schemeClr val="accent1">
-                    <a:lumMod val="50000"/>
-                  </a:schemeClr>
-                </a:solidFill>
-              </a:rPr>
-              <a:t>Haar</a:t>
-            </a:r>
-            <a:r>
-              <a:rPr lang="en-GB" sz="2700" b="1" dirty="0">
-                <a:solidFill>
-                  <a:schemeClr val="accent1">
-                    <a:lumMod val="50000"/>
-                  </a:schemeClr>
-                </a:solidFill>
-              </a:rPr>
-              <a:t> Cascades,  Eigen Face,  Fisher Face  and  Local Binary Pattern Histograms</a:t>
-            </a:r>
-            <a:endParaRPr lang="en-GB" sz="4800" b="1" dirty="0">
-              <a:solidFill>
-                <a:schemeClr val="accent1">
-                  <a:lumMod val="50000"/>
-                </a:schemeClr>
-              </a:solidFill>
-            </a:endParaRPr>
-          </a:p>
-        </p:txBody>
-      </p:sp>
-      <p:sp>
-        <p:nvSpPr>
-          <p:cNvPr id="3" name="Subtitle 2"/>
-          <p:cNvSpPr>
-            <a:spLocks noGrp="1"/>
-          </p:cNvSpPr>
-          <p:nvPr>
-            <p:ph type="subTitle" idx="1"/>
-          </p:nvPr>
-        </p:nvSpPr>
-        <p:spPr/>
-        <p:txBody>
-          <a:bodyPr>
-            <a:normAutofit lnSpcReduction="10000"/>
-          </a:bodyPr>
-          <a:lstStyle/>
-          <a:p>
-            <a:r>
-              <a:rPr lang="en-GB" dirty="0"/>
-              <a:t>AINT 513 – Visual Perception and Autonomy</a:t>
-            </a:r>
-          </a:p>
-          <a:p>
-            <a:r>
-              <a:rPr lang="en-GB" dirty="0"/>
-              <a:t>MSc Robotics</a:t>
-            </a:r>
-          </a:p>
-          <a:p>
-            <a:endParaRPr lang="en-GB" dirty="0"/>
-          </a:p>
-          <a:p>
-            <a:r>
-              <a:rPr lang="en-GB" dirty="0" err="1"/>
-              <a:t>Lahiru</a:t>
-            </a:r>
-            <a:r>
-              <a:rPr lang="en-GB" dirty="0"/>
-              <a:t> Dinalankara</a:t>
-            </a:r>
-          </a:p>
-        </p:txBody>
-      </p:sp>
-    </p:spTree>
-    <p:extLst>
-      <p:ext uri="{BB962C8B-B14F-4D97-AF65-F5344CB8AC3E}">
-        <p14:creationId xmlns:p14="http://schemas.microsoft.com/office/powerpoint/2010/main" val="4006842224"/>
-      </p:ext>
-    </p:extLst>
-  </p:cSld>
-  <p:clrMapOvr>
-    <a:masterClrMapping/>
-  </p:clrMapOvr>
-</p:sld>
-</file>
-
-<file path=ppt/slides/slide2.xml><?xml version="1.0" encoding="utf-8"?>
-<p:sld xmlns:a="http://schemas.openxmlformats.org/drawingml/2006/main" xmlns:r="http://schemas.openxmlformats.org/officeDocument/2006/relationships" xmlns:p="http://schemas.openxmlformats.org/presentationml/2006/main">
-  <p:cSld>
-    <p:spTree>
-      <p:nvGrpSpPr>
-        <p:cNvPr id="1" name=""/>
-        <p:cNvGrpSpPr/>
-        <p:nvPr/>
-      </p:nvGrpSpPr>
-      <p:grpSpPr>
-        <a:xfrm>
-          <a:off x="0" y="0"/>
-          <a:ext cx="0" cy="0"/>
-          <a:chOff x="0" y="0"/>
-          <a:chExt cx="0" cy="0"/>
-        </a:xfrm>
-      </p:grpSpPr>
-      <p:sp>
-        <p:nvSpPr>
-          <p:cNvPr id="3" name="Content Placeholder 2"/>
-          <p:cNvSpPr>
-            <a:spLocks noGrp="1"/>
-          </p:cNvSpPr>
-          <p:nvPr>
-            <p:ph idx="1"/>
-          </p:nvPr>
-        </p:nvSpPr>
-        <p:spPr/>
-        <p:txBody>
-          <a:bodyPr/>
-          <a:lstStyle/>
-          <a:p>
-            <a:pPr marL="514350" indent="-514350">
-              <a:buFont typeface="+mj-lt"/>
-              <a:buAutoNum type="arabicPeriod"/>
-            </a:pPr>
-            <a:r>
-              <a:rPr lang="en-GB" dirty="0"/>
-              <a:t>Demonstration of the face recognition systems</a:t>
-            </a:r>
-          </a:p>
-          <a:p>
-            <a:pPr marL="514350" indent="-514350">
-              <a:buFont typeface="+mj-lt"/>
-              <a:buAutoNum type="arabicPeriod"/>
-            </a:pPr>
-            <a:r>
-              <a:rPr lang="en-GB" dirty="0"/>
-              <a:t>Brief explanation about the four technologies used in the project</a:t>
-            </a:r>
-          </a:p>
-          <a:p>
-            <a:pPr marL="514350" indent="-514350">
-              <a:buFont typeface="+mj-lt"/>
-              <a:buAutoNum type="arabicPeriod"/>
-            </a:pPr>
-            <a:r>
-              <a:rPr lang="en-GB" dirty="0"/>
-              <a:t>Development and implementation procedure</a:t>
-            </a:r>
-          </a:p>
-          <a:p>
-            <a:pPr marL="514350" indent="-514350">
-              <a:buFont typeface="+mj-lt"/>
-              <a:buAutoNum type="arabicPeriod"/>
-            </a:pPr>
-            <a:r>
-              <a:rPr lang="en-GB" dirty="0"/>
-              <a:t>Summary and conclusion</a:t>
-            </a:r>
-          </a:p>
-        </p:txBody>
-      </p:sp>
-      <p:sp>
-        <p:nvSpPr>
-          <p:cNvPr id="4" name="Rectangle 3"/>
-          <p:cNvSpPr/>
-          <p:nvPr/>
-        </p:nvSpPr>
-        <p:spPr>
-          <a:xfrm>
-            <a:off x="0" y="0"/>
-            <a:ext cx="12192000" cy="847288"/>
-          </a:xfrm>
-          <a:prstGeom prst="rect">
-            <a:avLst/>
-          </a:prstGeom>
-          <a:solidFill>
-            <a:schemeClr val="accent1">
-              <a:lumMod val="50000"/>
-            </a:schemeClr>
-          </a:solidFill>
-          <a:ln>
-            <a:solidFill>
-              <a:schemeClr val="accent1">
-                <a:lumMod val="50000"/>
-              </a:schemeClr>
-            </a:solidFill>
-          </a:ln>
-        </p:spPr>
-        <p:style>
-          <a:lnRef idx="2">
-            <a:schemeClr val="accent1">
-              <a:shade val="50000"/>
-            </a:schemeClr>
-          </a:lnRef>
-          <a:fillRef idx="1">
-            <a:schemeClr val="accent1"/>
-          </a:fillRef>
-          <a:effectRef idx="0">
-            <a:schemeClr val="accent1"/>
-          </a:effectRef>
-          <a:fontRef idx="minor">
-            <a:schemeClr val="lt1"/>
-          </a:fontRef>
-        </p:style>
-        <p:txBody>
-          <a:bodyPr rtlCol="0" anchor="ctr"/>
-          <a:lstStyle/>
-          <a:p>
-            <a:pPr algn="ctr"/>
-            <a:endParaRPr lang="en-GB"/>
-          </a:p>
-        </p:txBody>
-      </p:sp>
-      <p:sp>
-        <p:nvSpPr>
-          <p:cNvPr id="2" name="Title 1"/>
-          <p:cNvSpPr>
-            <a:spLocks noGrp="1"/>
-          </p:cNvSpPr>
-          <p:nvPr>
-            <p:ph type="title"/>
-          </p:nvPr>
-        </p:nvSpPr>
-        <p:spPr>
-          <a:xfrm>
-            <a:off x="158692" y="46343"/>
-            <a:ext cx="10515600" cy="800945"/>
-          </a:xfrm>
-          <a:noFill/>
-        </p:spPr>
-        <p:txBody>
-          <a:bodyPr/>
-          <a:lstStyle/>
-          <a:p>
-            <a:r>
-              <a:rPr lang="en-GB" b="1" dirty="0">
-                <a:solidFill>
-                  <a:schemeClr val="bg1"/>
-                </a:solidFill>
-              </a:rPr>
-              <a:t>Introduction</a:t>
-            </a:r>
-          </a:p>
-        </p:txBody>
-      </p:sp>
-      <p:sp>
-        <p:nvSpPr>
-          <p:cNvPr id="5" name="Rectangle 4"/>
-          <p:cNvSpPr/>
-          <p:nvPr/>
-        </p:nvSpPr>
-        <p:spPr>
-          <a:xfrm>
-            <a:off x="0" y="6518246"/>
-            <a:ext cx="12192000" cy="339754"/>
-          </a:xfrm>
-          <a:prstGeom prst="rect">
-            <a:avLst/>
-          </a:prstGeom>
-          <a:solidFill>
-            <a:schemeClr val="accent1">
-              <a:lumMod val="50000"/>
-            </a:schemeClr>
-          </a:solidFill>
-          <a:ln>
-            <a:solidFill>
-              <a:schemeClr val="accent1">
-                <a:lumMod val="50000"/>
-              </a:schemeClr>
-            </a:solidFill>
-          </a:ln>
-        </p:spPr>
-        <p:style>
-          <a:lnRef idx="2">
-            <a:schemeClr val="accent1">
-              <a:shade val="50000"/>
-            </a:schemeClr>
-          </a:lnRef>
-          <a:fillRef idx="1">
-            <a:schemeClr val="accent1"/>
-          </a:fillRef>
-          <a:effectRef idx="0">
-            <a:schemeClr val="accent1"/>
-          </a:effectRef>
-          <a:fontRef idx="minor">
-            <a:schemeClr val="lt1"/>
-          </a:fontRef>
-        </p:style>
-        <p:txBody>
-          <a:bodyPr rtlCol="0" anchor="ctr"/>
-          <a:lstStyle/>
-          <a:p>
-            <a:pPr algn="ctr"/>
-            <a:r>
-              <a:rPr lang="en-GB" sz="1200" b="1" dirty="0"/>
-              <a:t>AINT 513 - Visual Perception and Autonomy                                                                                                                                                                                                                          </a:t>
-            </a:r>
-            <a:r>
-              <a:rPr lang="en-GB" sz="1200" b="1" dirty="0" err="1"/>
-              <a:t>Lahiru</a:t>
-            </a:r>
-            <a:r>
-              <a:rPr lang="en-GB" sz="1200" b="1" dirty="0"/>
-              <a:t> Dinalankara</a:t>
-            </a:r>
-          </a:p>
-        </p:txBody>
-      </p:sp>
-    </p:spTree>
-    <p:extLst>
-      <p:ext uri="{BB962C8B-B14F-4D97-AF65-F5344CB8AC3E}">
-        <p14:creationId xmlns:p14="http://schemas.microsoft.com/office/powerpoint/2010/main" val="3284634809"/>
-      </p:ext>
-    </p:extLst>
-  </p:cSld>
-  <p:clrMapOvr>
-    <a:masterClrMapping/>
-  </p:clrMapOvr>
-</p:sld>
-</file>
-
-<file path=ppt/slides/slide3.xml><?xml version="1.0" encoding="utf-8"?>
-<p:sld xmlns:a="http://schemas.openxmlformats.org/drawingml/2006/main" xmlns:r="http://schemas.openxmlformats.org/officeDocument/2006/relationships" xmlns:p="http://schemas.openxmlformats.org/presentationml/2006/main">
-  <p:cSld>
-    <p:spTree>
-      <p:nvGrpSpPr>
-        <p:cNvPr id="1" name=""/>
-        <p:cNvGrpSpPr/>
-        <p:nvPr/>
-      </p:nvGrpSpPr>
-      <p:grpSpPr>
-        <a:xfrm>
-          <a:off x="0" y="0"/>
-          <a:ext cx="0" cy="0"/>
-          <a:chOff x="0" y="0"/>
-          <a:chExt cx="0" cy="0"/>
-        </a:xfrm>
-      </p:grpSpPr>
-      <p:sp>
-        <p:nvSpPr>
-          <p:cNvPr id="3" name="Content Placeholder 2"/>
-          <p:cNvSpPr>
-            <a:spLocks noGrp="1"/>
-          </p:cNvSpPr>
-          <p:nvPr>
-            <p:ph idx="1"/>
-          </p:nvPr>
-        </p:nvSpPr>
-        <p:spPr/>
-        <p:txBody>
-          <a:bodyPr/>
-          <a:lstStyle/>
-          <a:p>
-            <a:pPr marL="514350" indent="-514350">
-              <a:buFont typeface="+mj-lt"/>
-              <a:buAutoNum type="arabicPeriod"/>
-            </a:pPr>
-            <a:r>
-              <a:rPr lang="en-GB" dirty="0"/>
-              <a:t>Demonstration of the face recognition systems</a:t>
-            </a:r>
-          </a:p>
-          <a:p>
-            <a:pPr marL="514350" indent="-514350">
-              <a:buFont typeface="+mj-lt"/>
-              <a:buAutoNum type="arabicPeriod"/>
-            </a:pPr>
-            <a:r>
-              <a:rPr lang="en-GB" dirty="0"/>
-              <a:t>Brief explanation about the four technologies used in the project</a:t>
-            </a:r>
-          </a:p>
-          <a:p>
-            <a:pPr marL="514350" indent="-514350">
-              <a:buFont typeface="+mj-lt"/>
-              <a:buAutoNum type="arabicPeriod"/>
-            </a:pPr>
-            <a:r>
-              <a:rPr lang="en-GB" dirty="0"/>
-              <a:t>Development and implementation procedure</a:t>
-            </a:r>
-          </a:p>
-          <a:p>
-            <a:pPr marL="514350" indent="-514350">
-              <a:buFont typeface="+mj-lt"/>
-              <a:buAutoNum type="arabicPeriod"/>
-            </a:pPr>
-            <a:r>
-              <a:rPr lang="en-GB" dirty="0"/>
-              <a:t>Summary and conclusion</a:t>
-            </a:r>
-          </a:p>
-        </p:txBody>
-      </p:sp>
-      <p:sp>
-        <p:nvSpPr>
-          <p:cNvPr id="4" name="Rectangle 3"/>
-          <p:cNvSpPr/>
-          <p:nvPr/>
-        </p:nvSpPr>
-        <p:spPr>
-          <a:xfrm>
-            <a:off x="0" y="0"/>
-            <a:ext cx="12192000" cy="847288"/>
-          </a:xfrm>
-          <a:prstGeom prst="rect">
-            <a:avLst/>
-          </a:prstGeom>
-          <a:solidFill>
-            <a:schemeClr val="accent1">
-              <a:lumMod val="50000"/>
-            </a:schemeClr>
-          </a:solidFill>
-          <a:ln>
-            <a:solidFill>
-              <a:schemeClr val="accent1">
-                <a:lumMod val="50000"/>
-              </a:schemeClr>
-            </a:solidFill>
-          </a:ln>
-        </p:spPr>
-        <p:style>
-          <a:lnRef idx="2">
-            <a:schemeClr val="accent1">
-              <a:shade val="50000"/>
-            </a:schemeClr>
-          </a:lnRef>
-          <a:fillRef idx="1">
-            <a:schemeClr val="accent1"/>
-          </a:fillRef>
-          <a:effectRef idx="0">
-            <a:schemeClr val="accent1"/>
-          </a:effectRef>
-          <a:fontRef idx="minor">
-            <a:schemeClr val="lt1"/>
-          </a:fontRef>
-        </p:style>
-        <p:txBody>
-          <a:bodyPr rtlCol="0" anchor="ctr"/>
-          <a:lstStyle/>
-          <a:p>
-            <a:pPr algn="ctr"/>
-            <a:endParaRPr lang="en-GB"/>
-          </a:p>
-        </p:txBody>
-      </p:sp>
-      <p:sp>
-        <p:nvSpPr>
-          <p:cNvPr id="2" name="Title 1"/>
-          <p:cNvSpPr>
-            <a:spLocks noGrp="1"/>
-          </p:cNvSpPr>
-          <p:nvPr>
-            <p:ph type="title"/>
-          </p:nvPr>
-        </p:nvSpPr>
-        <p:spPr>
-          <a:xfrm>
-            <a:off x="158692" y="46343"/>
-            <a:ext cx="10515600" cy="800945"/>
-          </a:xfrm>
-          <a:noFill/>
-        </p:spPr>
-        <p:txBody>
-          <a:bodyPr/>
-          <a:lstStyle/>
-          <a:p>
-            <a:r>
-              <a:rPr lang="en-GB" b="1" dirty="0">
-                <a:solidFill>
-                  <a:schemeClr val="bg1"/>
-                </a:solidFill>
-              </a:rPr>
-              <a:t>Face Detection - </a:t>
-            </a:r>
-            <a:r>
-              <a:rPr lang="en-GB" b="1" dirty="0" err="1">
-                <a:solidFill>
-                  <a:schemeClr val="bg1"/>
-                </a:solidFill>
-              </a:rPr>
-              <a:t>Haar</a:t>
-            </a:r>
-            <a:r>
-              <a:rPr lang="en-GB" b="1" dirty="0">
-                <a:solidFill>
-                  <a:schemeClr val="bg1"/>
-                </a:solidFill>
-              </a:rPr>
-              <a:t> Cascades</a:t>
-            </a:r>
-          </a:p>
-        </p:txBody>
-      </p:sp>
-      <p:sp>
-        <p:nvSpPr>
-          <p:cNvPr id="5" name="Rectangle 4"/>
-          <p:cNvSpPr/>
-          <p:nvPr/>
-        </p:nvSpPr>
-        <p:spPr>
-          <a:xfrm>
-            <a:off x="0" y="6518246"/>
-            <a:ext cx="12192000" cy="339754"/>
-          </a:xfrm>
-          <a:prstGeom prst="rect">
-            <a:avLst/>
-          </a:prstGeom>
-          <a:solidFill>
-            <a:schemeClr val="accent1">
-              <a:lumMod val="50000"/>
-            </a:schemeClr>
-          </a:solidFill>
-          <a:ln>
-            <a:solidFill>
-              <a:schemeClr val="accent1">
-                <a:lumMod val="50000"/>
-              </a:schemeClr>
-            </a:solidFill>
-          </a:ln>
-        </p:spPr>
-        <p:style>
-          <a:lnRef idx="2">
-            <a:schemeClr val="accent1">
-              <a:shade val="50000"/>
-            </a:schemeClr>
-          </a:lnRef>
-          <a:fillRef idx="1">
-            <a:schemeClr val="accent1"/>
-          </a:fillRef>
-          <a:effectRef idx="0">
-            <a:schemeClr val="accent1"/>
-          </a:effectRef>
-          <a:fontRef idx="minor">
-            <a:schemeClr val="lt1"/>
-          </a:fontRef>
-        </p:style>
-        <p:txBody>
-          <a:bodyPr rtlCol="0" anchor="ctr"/>
-          <a:lstStyle/>
-          <a:p>
-            <a:pPr algn="ctr"/>
-            <a:r>
-              <a:rPr lang="en-GB" sz="1200" b="1" dirty="0"/>
-              <a:t>AINT 513 - Visual Perception and Autonomy                                                                                                                                                                                                                          </a:t>
-            </a:r>
-            <a:r>
-              <a:rPr lang="en-GB" sz="1200" b="1" dirty="0" err="1"/>
-              <a:t>Lahiru</a:t>
-            </a:r>
-            <a:r>
-              <a:rPr lang="en-GB" sz="1200" b="1" dirty="0"/>
-              <a:t> Dinalankara</a:t>
-            </a:r>
-          </a:p>
-        </p:txBody>
-      </p:sp>
-    </p:spTree>
-    <p:extLst>
-      <p:ext uri="{BB962C8B-B14F-4D97-AF65-F5344CB8AC3E}">
-        <p14:creationId xmlns:p14="http://schemas.microsoft.com/office/powerpoint/2010/main" val="2304151387"/>
-      </p:ext>
-    </p:extLst>
-  </p:cSld>
-  <p:clrMapOvr>
-    <a:masterClrMapping/>
-  </p:clrMapOvr>
-</p:sld>
-</file>
-
-<file path=ppt/slides/slide4.xml><?xml version="1.0" encoding="utf-8"?>
-<p:sld xmlns:a="http://schemas.openxmlformats.org/drawingml/2006/main" xmlns:r="http://schemas.openxmlformats.org/officeDocument/2006/relationships" xmlns:p="http://schemas.openxmlformats.org/presentationml/2006/main">
-  <p:cSld>
-    <p:spTree>
-      <p:nvGrpSpPr>
-        <p:cNvPr id="1" name=""/>
-        <p:cNvGrpSpPr/>
-        <p:nvPr/>
-      </p:nvGrpSpPr>
-      <p:grpSpPr>
-        <a:xfrm>
-          <a:off x="0" y="0"/>
-          <a:ext cx="0" cy="0"/>
-          <a:chOff x="0" y="0"/>
-          <a:chExt cx="0" cy="0"/>
-        </a:xfrm>
-      </p:grpSpPr>
       <p:grpSp>
         <p:nvGrpSpPr>
           <p:cNvPr id="938" name="Group 937"/>
@@ -33812,7 +33172,7 @@
         </p:nvGrpSpPr>
         <p:grpSpPr>
           <a:xfrm>
-            <a:off x="8850146" y="2333099"/>
+            <a:off x="8518234" y="2325340"/>
             <a:ext cx="45720" cy="2010838"/>
             <a:chOff x="3322041" y="335560"/>
             <a:chExt cx="129130" cy="5679345"/>
@@ -36665,7 +36025,7 @@
         </p:nvGrpSpPr>
         <p:grpSpPr>
           <a:xfrm>
-            <a:off x="10363940" y="2333099"/>
+            <a:off x="9674729" y="2347776"/>
             <a:ext cx="45720" cy="2010838"/>
             <a:chOff x="3322041" y="335560"/>
             <a:chExt cx="129130" cy="5679345"/>
@@ -39797,7 +39157,7 @@
         <p:spPr>
           <a:xfrm>
             <a:off x="7556395" y="3070727"/>
-            <a:ext cx="1180131" cy="369332"/>
+            <a:ext cx="848309" cy="369332"/>
           </a:xfrm>
           <a:prstGeom prst="rect">
             <a:avLst/>
@@ -39812,7 +39172,7 @@
           <a:p>
             <a:r>
               <a:rPr lang="en-GB" dirty="0"/>
-              <a:t>. . . . . . . . . </a:t>
+              <a:t>. . . . . . </a:t>
             </a:r>
           </a:p>
         </p:txBody>
@@ -39895,7 +39255,7 @@
         </p:nvSpPr>
         <p:spPr>
           <a:xfrm>
-            <a:off x="6899775" y="4428368"/>
+            <a:off x="6933331" y="4428368"/>
             <a:ext cx="2183899" cy="246221"/>
           </a:xfrm>
           <a:prstGeom prst="rect">
@@ -39911,7 +39271,7 @@
           <a:p>
             <a:r>
               <a:rPr lang="en-GB" sz="1000" dirty="0"/>
-              <a:t> m</a:t>
+              <a:t> n</a:t>
             </a:r>
             <a:r>
               <a:rPr lang="en-GB" sz="1000" baseline="-25000" dirty="0"/>
@@ -39919,7 +39279,7 @@
             </a:r>
             <a:r>
               <a:rPr lang="en-GB" sz="1000" dirty="0"/>
-              <a:t> m</a:t>
+              <a:t> n</a:t>
             </a:r>
             <a:r>
               <a:rPr lang="en-GB" sz="1000" baseline="-25000" dirty="0"/>
@@ -39927,7 +39287,7 @@
             </a:r>
             <a:r>
               <a:rPr lang="en-GB" sz="1000" dirty="0"/>
-              <a:t>  m</a:t>
+              <a:t>  n</a:t>
             </a:r>
             <a:r>
               <a:rPr lang="en-GB" sz="1000" baseline="-25000" dirty="0"/>
@@ -39935,7 +39295,7 @@
             </a:r>
             <a:r>
               <a:rPr lang="en-GB" sz="1000" dirty="0"/>
-              <a:t>                                         m</a:t>
+              <a:t>                               n</a:t>
             </a:r>
             <a:r>
               <a:rPr lang="en-GB" sz="1000" baseline="-25000" dirty="0"/>
@@ -39952,7 +39312,7 @@
         </p:nvSpPr>
         <p:spPr>
           <a:xfrm>
-            <a:off x="9244756" y="2788961"/>
+            <a:off x="8775301" y="2881692"/>
             <a:ext cx="687239" cy="276999"/>
           </a:xfrm>
           <a:prstGeom prst="rect">
@@ -39976,13 +39336,15 @@
       <p:cxnSp>
         <p:nvCxnSpPr>
           <p:cNvPr id="962" name="Straight Arrow Connector 961"/>
-          <p:cNvCxnSpPr/>
+          <p:cNvCxnSpPr>
+            <a:cxnSpLocks/>
+          </p:cNvCxnSpPr>
           <p:nvPr/>
         </p:nvCxnSpPr>
         <p:spPr>
           <a:xfrm flipV="1">
-            <a:off x="9006840" y="3284439"/>
-            <a:ext cx="1158240" cy="7935"/>
+            <a:off x="8725577" y="3300669"/>
+            <a:ext cx="695260" cy="1"/>
           </a:xfrm>
           <a:prstGeom prst="straightConnector1">
             <a:avLst/>
@@ -40009,40 +39371,96 @@
           </a:fontRef>
         </p:style>
       </p:cxnSp>
+      <p:sp>
+        <p:nvSpPr>
+          <p:cNvPr id="3" name="Right Brace 2"/>
+          <p:cNvSpPr/>
+          <p:nvPr/>
+        </p:nvSpPr>
+        <p:spPr>
+          <a:xfrm rot="5400000">
+            <a:off x="7735607" y="4031179"/>
+            <a:ext cx="139100" cy="1743652"/>
+          </a:xfrm>
+          <a:prstGeom prst="rightBrace">
+            <a:avLst>
+              <a:gd name="adj1" fmla="val 39364"/>
+              <a:gd name="adj2" fmla="val 49818"/>
+            </a:avLst>
+          </a:prstGeom>
+          <a:ln w="12700">
+            <a:solidFill>
+              <a:schemeClr val="tx1"/>
+            </a:solidFill>
+          </a:ln>
+        </p:spPr>
+        <p:style>
+          <a:lnRef idx="1">
+            <a:schemeClr val="accent1"/>
+          </a:lnRef>
+          <a:fillRef idx="0">
+            <a:schemeClr val="accent1"/>
+          </a:fillRef>
+          <a:effectRef idx="0">
+            <a:schemeClr val="accent1"/>
+          </a:effectRef>
+          <a:fontRef idx="minor">
+            <a:schemeClr val="tx1"/>
+          </a:fontRef>
+        </p:style>
+        <p:txBody>
+          <a:bodyPr vert="vert270" rtlCol="0" anchor="ctr"/>
+          <a:lstStyle/>
+          <a:p>
+            <a:pPr algn="ctr"/>
+            <a:endParaRPr lang="en-GB" dirty="0"/>
+          </a:p>
+          <a:p>
+            <a:pPr algn="ctr"/>
+            <a:endParaRPr lang="en-GB" dirty="0"/>
+          </a:p>
+          <a:p>
+            <a:pPr algn="ctr"/>
+            <a:r>
+              <a:rPr lang="en-GB" sz="1100" dirty="0"/>
+              <a:t>T</a:t>
+            </a:r>
+          </a:p>
+        </p:txBody>
+      </p:sp>
+      <p:sp>
+        <p:nvSpPr>
+          <p:cNvPr id="939" name="TextBox 938"/>
+          <p:cNvSpPr txBox="1"/>
+          <p:nvPr/>
+        </p:nvSpPr>
+        <p:spPr>
+          <a:xfrm>
+            <a:off x="9571593" y="4651059"/>
+            <a:ext cx="251992" cy="261610"/>
+          </a:xfrm>
+          <a:prstGeom prst="rect">
+            <a:avLst/>
+          </a:prstGeom>
+          <a:noFill/>
+        </p:spPr>
+        <p:txBody>
+          <a:bodyPr wrap="none" rtlCol="0">
+            <a:spAutoFit/>
+          </a:bodyPr>
+          <a:lstStyle/>
+          <a:p>
+            <a:r>
+              <a:rPr lang="en-GB" sz="1050" dirty="0"/>
+              <a:t>a</a:t>
+            </a:r>
+          </a:p>
+        </p:txBody>
+      </p:sp>
     </p:spTree>
     <p:extLst>
       <p:ext uri="{BB962C8B-B14F-4D97-AF65-F5344CB8AC3E}">
         <p14:creationId xmlns:p14="http://schemas.microsoft.com/office/powerpoint/2010/main" val="3207286078"/>
-      </p:ext>
-    </p:extLst>
-  </p:cSld>
-  <p:clrMapOvr>
-    <a:masterClrMapping/>
-  </p:clrMapOvr>
-</p:sld>
-</file>
-
-<file path=ppt/slides/slide5.xml><?xml version="1.0" encoding="utf-8"?>
-<p:sld xmlns:a="http://schemas.openxmlformats.org/drawingml/2006/main" xmlns:r="http://schemas.openxmlformats.org/officeDocument/2006/relationships" xmlns:p="http://schemas.openxmlformats.org/presentationml/2006/main">
-  <p:cSld>
-    <p:spTree>
-      <p:nvGrpSpPr>
-        <p:cNvPr id="1" name=""/>
-        <p:cNvGrpSpPr/>
-        <p:nvPr/>
-      </p:nvGrpSpPr>
-      <p:grpSpPr>
-        <a:xfrm>
-          <a:off x="0" y="0"/>
-          <a:ext cx="0" cy="0"/>
-          <a:chOff x="0" y="0"/>
-          <a:chExt cx="0" cy="0"/>
-        </a:xfrm>
-      </p:grpSpPr>
-    </p:spTree>
-    <p:extLst>
-      <p:ext uri="{BB962C8B-B14F-4D97-AF65-F5344CB8AC3E}">
-        <p14:creationId xmlns:p14="http://schemas.microsoft.com/office/powerpoint/2010/main" val="2333174464"/>
       </p:ext>
     </p:extLst>
   </p:cSld>
